--- a/Documentation/MindCard.pptx
+++ b/Documentation/MindCard.pptx
@@ -214,7 +214,7 @@
           <a:p>
             <a:fld id="{2C17FC30-308A-499E-B14C-5C43A3D0FF7D}" type="datetimeFigureOut">
               <a:rPr lang="ru-RU" smtClean="0"/>
-              <a:t>30.03.2025</a:t>
+              <a:t>06.05.2025</a:t>
             </a:fld>
             <a:endParaRPr lang="ru-RU"/>
           </a:p>
@@ -726,7 +726,7 @@
           <a:p>
             <a:fld id="{3CAE8BC7-0B64-459C-AA5A-2B1742AD2672}" type="datetime1">
               <a:rPr lang="ru-RU" smtClean="0"/>
-              <a:t>30.03.2025</a:t>
+              <a:t>06.05.2025</a:t>
             </a:fld>
             <a:endParaRPr lang="ru-RU"/>
           </a:p>
@@ -956,7 +956,7 @@
           <a:p>
             <a:fld id="{8AEA3774-7F8B-4C9D-B8A2-DDB0B22DB563}" type="datetime1">
               <a:rPr lang="ru-RU" smtClean="0"/>
-              <a:t>30.03.2025</a:t>
+              <a:t>06.05.2025</a:t>
             </a:fld>
             <a:endParaRPr lang="ru-RU"/>
           </a:p>
@@ -1186,7 +1186,7 @@
           <a:p>
             <a:fld id="{16488275-3B6B-41ED-B9A4-3EA67BA4DDF8}" type="datetime1">
               <a:rPr lang="ru-RU" smtClean="0"/>
-              <a:t>30.03.2025</a:t>
+              <a:t>06.05.2025</a:t>
             </a:fld>
             <a:endParaRPr lang="ru-RU"/>
           </a:p>
@@ -1416,7 +1416,7 @@
           <a:p>
             <a:fld id="{32442200-05CC-4BE4-8388-F0483DCA0835}" type="datetime1">
               <a:rPr lang="ru-RU" smtClean="0"/>
-              <a:t>30.03.2025</a:t>
+              <a:t>06.05.2025</a:t>
             </a:fld>
             <a:endParaRPr lang="ru-RU"/>
           </a:p>
@@ -1727,7 +1727,7 @@
           <a:p>
             <a:fld id="{4811BEAD-17E6-4304-84DB-95C142DABC45}" type="datetime1">
               <a:rPr lang="ru-RU" smtClean="0"/>
-              <a:t>30.03.2025</a:t>
+              <a:t>06.05.2025</a:t>
             </a:fld>
             <a:endParaRPr lang="ru-RU"/>
           </a:p>
@@ -2022,7 +2022,7 @@
           <a:p>
             <a:fld id="{6766FDC1-F56F-416E-9948-048BC0EF13CB}" type="datetime1">
               <a:rPr lang="ru-RU" smtClean="0"/>
-              <a:t>30.03.2025</a:t>
+              <a:t>06.05.2025</a:t>
             </a:fld>
             <a:endParaRPr lang="ru-RU"/>
           </a:p>
@@ -2465,7 +2465,7 @@
           <a:p>
             <a:fld id="{86CA3E2C-24BF-4566-9794-F099FD06F584}" type="datetime1">
               <a:rPr lang="ru-RU" smtClean="0"/>
-              <a:t>30.03.2025</a:t>
+              <a:t>06.05.2025</a:t>
             </a:fld>
             <a:endParaRPr lang="ru-RU"/>
           </a:p>
@@ -2630,7 +2630,7 @@
           <a:p>
             <a:fld id="{1B6228CF-CDE3-4F8E-B3D8-4631D5BDD2D4}" type="datetime1">
               <a:rPr lang="ru-RU" smtClean="0"/>
-              <a:t>30.03.2025</a:t>
+              <a:t>06.05.2025</a:t>
             </a:fld>
             <a:endParaRPr lang="ru-RU"/>
           </a:p>
@@ -2759,7 +2759,7 @@
           <a:p>
             <a:fld id="{4B9A4E26-1391-4983-AF8E-01A2918BAC09}" type="datetime1">
               <a:rPr lang="ru-RU" smtClean="0"/>
-              <a:t>30.03.2025</a:t>
+              <a:t>06.05.2025</a:t>
             </a:fld>
             <a:endParaRPr lang="ru-RU"/>
           </a:p>
@@ -3095,7 +3095,7 @@
           <a:p>
             <a:fld id="{CCAD6058-5D52-4770-B3CB-A0B9DCE9CB0B}" type="datetime1">
               <a:rPr lang="ru-RU" smtClean="0"/>
-              <a:t>30.03.2025</a:t>
+              <a:t>06.05.2025</a:t>
             </a:fld>
             <a:endParaRPr lang="ru-RU"/>
           </a:p>
@@ -3408,7 +3408,7 @@
           <a:p>
             <a:fld id="{85FE874B-1BC2-411E-AEA6-D4D39A7430FD}" type="datetime1">
               <a:rPr lang="ru-RU" smtClean="0"/>
-              <a:t>30.03.2025</a:t>
+              <a:t>06.05.2025</a:t>
             </a:fld>
             <a:endParaRPr lang="ru-RU"/>
           </a:p>
@@ -8956,33 +8956,55 @@
                 <a:solidFill>
                   <a:srgbClr val="7068F4"/>
                 </a:solidFill>
-                <a:latin typeface="Barlow Bold" pitchFamily="34" charset="0"/>
+                <a:latin typeface="Barlow Bold"/>
                 <a:ea typeface="Barlow Bold" pitchFamily="34" charset="-122"/>
                 <a:cs typeface="Barlow Bold" pitchFamily="34" charset="-120"/>
               </a:rPr>
-              <a:t>Наша</a:t>
+              <a:t>MindCard</a:t>
             </a:r>
             <a:r>
               <a:rPr lang="en-US" sz="4400" b="1" dirty="0">
                 <a:solidFill>
                   <a:srgbClr val="7068F4"/>
                 </a:solidFill>
-                <a:latin typeface="Barlow Bold" pitchFamily="34" charset="0"/>
+                <a:latin typeface="Barlow Bold"/>
                 <a:ea typeface="Barlow Bold" pitchFamily="34" charset="-122"/>
                 <a:cs typeface="Barlow Bold" pitchFamily="34" charset="-120"/>
               </a:rPr>
-              <a:t> </a:t>
+              <a:t>: </a:t>
             </a:r>
             <a:r>
               <a:rPr lang="en-US" sz="4400" b="1" dirty="0" err="1">
                 <a:solidFill>
                   <a:srgbClr val="7068F4"/>
                 </a:solidFill>
-                <a:latin typeface="Barlow Bold" pitchFamily="34" charset="0"/>
+                <a:latin typeface="Barlow Bold"/>
                 <a:ea typeface="Barlow Bold" pitchFamily="34" charset="-122"/>
                 <a:cs typeface="Barlow Bold" pitchFamily="34" charset="-120"/>
               </a:rPr>
-              <a:t>команда</a:t>
+              <a:t>Изучение</a:t>
+            </a:r>
+            <a:r>
+              <a:rPr lang="en-US" sz="4400" b="1" dirty="0">
+                <a:solidFill>
+                  <a:srgbClr val="7068F4"/>
+                </a:solidFill>
+                <a:latin typeface="Barlow Bold"/>
+                <a:ea typeface="Barlow Bold" pitchFamily="34" charset="-122"/>
+                <a:cs typeface="Barlow Bold" pitchFamily="34" charset="-120"/>
+              </a:rPr>
+              <a:t> </a:t>
+            </a:r>
+            <a:r>
+              <a:rPr lang="en-US" sz="4400" b="1" dirty="0" err="1">
+                <a:solidFill>
+                  <a:srgbClr val="7068F4"/>
+                </a:solidFill>
+                <a:latin typeface="Barlow Bold"/>
+                <a:ea typeface="Barlow Bold" pitchFamily="34" charset="-122"/>
+                <a:cs typeface="Barlow Bold" pitchFamily="34" charset="-120"/>
+              </a:rPr>
+              <a:t>Языков</a:t>
             </a:r>
             <a:endParaRPr lang="ru-RU" dirty="0"/>
           </a:p>
@@ -9020,52 +9042,11 @@
               </a:lnSpc>
             </a:pPr>
             <a:r>
-              <a:rPr lang="en-US" sz="2600" dirty="0" err="1">
-                <a:solidFill>
-                  <a:srgbClr val="272525"/>
-                </a:solidFill>
+              <a:rPr lang="ru-RU" sz="2600" dirty="0">
                 <a:latin typeface="Montserrat" panose="00000500000000000000" pitchFamily="2" charset="-52"/>
-                <a:ea typeface="Montserrat" pitchFamily="34" charset="-122"/>
-                <a:cs typeface="Montserrat" pitchFamily="34" charset="-120"/>
-              </a:rPr>
-              <a:t>Степаненко</a:t>
-            </a:r>
-            <a:r>
-              <a:rPr lang="en-US" sz="2600" dirty="0">
-                <a:solidFill>
-                  <a:srgbClr val="272525"/>
-                </a:solidFill>
-                <a:latin typeface="Montserrat" panose="00000500000000000000" pitchFamily="2" charset="-52"/>
-                <a:ea typeface="Montserrat" pitchFamily="34" charset="-122"/>
-                <a:cs typeface="Montserrat" pitchFamily="34" charset="-120"/>
-              </a:rPr>
-              <a:t> </a:t>
-            </a:r>
-            <a:r>
-              <a:rPr lang="en-US" sz="2600" dirty="0" err="1">
-                <a:solidFill>
-                  <a:srgbClr val="272525"/>
-                </a:solidFill>
-                <a:latin typeface="Montserrat" panose="00000500000000000000" pitchFamily="2" charset="-52"/>
-                <a:ea typeface="Montserrat" pitchFamily="34" charset="-122"/>
-                <a:cs typeface="Montserrat" pitchFamily="34" charset="-120"/>
-              </a:rPr>
-              <a:t>Артур</a:t>
-            </a:r>
-            <a:r>
-              <a:rPr lang="en-US" sz="2600" dirty="0">
-                <a:solidFill>
-                  <a:srgbClr val="272525"/>
-                </a:solidFill>
-                <a:latin typeface="Montserrat" panose="00000500000000000000" pitchFamily="2" charset="-52"/>
-                <a:ea typeface="Montserrat" pitchFamily="34" charset="-122"/>
-                <a:cs typeface="Montserrat" pitchFamily="34" charset="-120"/>
-              </a:rPr>
-              <a:t>: Team lead, Analytic</a:t>
-            </a:r>
-            <a:endParaRPr lang="en-US" sz="2600" dirty="0">
-              <a:latin typeface="Montserrat" panose="00000500000000000000" pitchFamily="2" charset="-52"/>
-            </a:endParaRPr>
+              </a:rPr>
+              <a:t>Приложение помогающее изучать новые языки</a:t>
+            </a:r>
           </a:p>
           <a:p>
             <a:pPr>
@@ -9074,52 +9055,11 @@
               </a:lnSpc>
             </a:pPr>
             <a:r>
-              <a:rPr lang="en-US" sz="2600" dirty="0" err="1">
-                <a:solidFill>
-                  <a:srgbClr val="272525"/>
-                </a:solidFill>
+              <a:rPr lang="ru-RU" sz="2600" dirty="0">
                 <a:latin typeface="Montserrat" panose="00000500000000000000" pitchFamily="2" charset="-52"/>
-                <a:ea typeface="Montserrat" pitchFamily="34" charset="-122"/>
-                <a:cs typeface="Montserrat" pitchFamily="34" charset="-120"/>
-              </a:rPr>
-              <a:t>Гамидов</a:t>
-            </a:r>
-            <a:r>
-              <a:rPr lang="en-US" sz="2600" dirty="0">
-                <a:solidFill>
-                  <a:srgbClr val="272525"/>
-                </a:solidFill>
-                <a:latin typeface="Montserrat" panose="00000500000000000000" pitchFamily="2" charset="-52"/>
-                <a:ea typeface="Montserrat" pitchFamily="34" charset="-122"/>
-                <a:cs typeface="Montserrat" pitchFamily="34" charset="-120"/>
-              </a:rPr>
-              <a:t> </a:t>
-            </a:r>
-            <a:r>
-              <a:rPr lang="en-US" sz="2600" dirty="0" err="1">
-                <a:solidFill>
-                  <a:srgbClr val="272525"/>
-                </a:solidFill>
-                <a:latin typeface="Montserrat" panose="00000500000000000000" pitchFamily="2" charset="-52"/>
-                <a:ea typeface="Montserrat" pitchFamily="34" charset="-122"/>
-                <a:cs typeface="Montserrat" pitchFamily="34" charset="-120"/>
-              </a:rPr>
-              <a:t>Антон</a:t>
-            </a:r>
-            <a:r>
-              <a:rPr lang="en-US" sz="2600" dirty="0">
-                <a:solidFill>
-                  <a:srgbClr val="272525"/>
-                </a:solidFill>
-                <a:latin typeface="Montserrat" panose="00000500000000000000" pitchFamily="2" charset="-52"/>
-                <a:ea typeface="Montserrat" pitchFamily="34" charset="-122"/>
-                <a:cs typeface="Montserrat" pitchFamily="34" charset="-120"/>
-              </a:rPr>
-              <a:t>: Frontend developer</a:t>
-            </a:r>
-            <a:endParaRPr lang="en-US" sz="2600" dirty="0">
-              <a:latin typeface="Montserrat" panose="00000500000000000000" pitchFamily="2" charset="-52"/>
-            </a:endParaRPr>
+              </a:rPr>
+              <a:t>Проложения для андроид</a:t>
+            </a:r>
           </a:p>
           <a:p>
             <a:pPr>
@@ -9128,182 +9068,11 @@
               </a:lnSpc>
             </a:pPr>
             <a:r>
-              <a:rPr lang="en-US" sz="2600" dirty="0" err="1">
-                <a:solidFill>
-                  <a:srgbClr val="272525"/>
-                </a:solidFill>
+              <a:rPr lang="ru-RU" sz="2600" dirty="0">
                 <a:latin typeface="Montserrat" panose="00000500000000000000" pitchFamily="2" charset="-52"/>
-                <a:ea typeface="Montserrat" pitchFamily="34" charset="-122"/>
-                <a:cs typeface="Montserrat" pitchFamily="34" charset="-120"/>
-              </a:rPr>
-              <a:t>Добросо</a:t>
-            </a:r>
-            <a:r>
-              <a:rPr lang="ru-RU" sz="2600" dirty="0">
-                <a:solidFill>
-                  <a:srgbClr val="272525"/>
-                </a:solidFill>
-                <a:latin typeface="Montserrat" panose="00000500000000000000" pitchFamily="2" charset="-52"/>
-                <a:ea typeface="Montserrat" pitchFamily="34" charset="-122"/>
-                <a:cs typeface="Montserrat" pitchFamily="34" charset="-120"/>
-              </a:rPr>
-              <a:t>ц</a:t>
-            </a:r>
-            <a:r>
-              <a:rPr lang="en-US" sz="2600" dirty="0" err="1">
-                <a:solidFill>
-                  <a:srgbClr val="272525"/>
-                </a:solidFill>
-                <a:latin typeface="Montserrat" panose="00000500000000000000" pitchFamily="2" charset="-52"/>
-                <a:ea typeface="Montserrat" pitchFamily="34" charset="-122"/>
-                <a:cs typeface="Montserrat" pitchFamily="34" charset="-120"/>
-              </a:rPr>
-              <a:t>кий</a:t>
-            </a:r>
-            <a:r>
-              <a:rPr lang="en-US" sz="2600" dirty="0">
-                <a:solidFill>
-                  <a:srgbClr val="272525"/>
-                </a:solidFill>
-                <a:latin typeface="Montserrat" panose="00000500000000000000" pitchFamily="2" charset="-52"/>
-                <a:ea typeface="Montserrat" pitchFamily="34" charset="-122"/>
-                <a:cs typeface="Montserrat" pitchFamily="34" charset="-120"/>
-              </a:rPr>
-              <a:t> </a:t>
-            </a:r>
-            <a:r>
-              <a:rPr lang="en-US" sz="2600" dirty="0" err="1">
-                <a:solidFill>
-                  <a:srgbClr val="272525"/>
-                </a:solidFill>
-                <a:latin typeface="Montserrat" panose="00000500000000000000" pitchFamily="2" charset="-52"/>
-                <a:ea typeface="Montserrat" pitchFamily="34" charset="-122"/>
-                <a:cs typeface="Montserrat" pitchFamily="34" charset="-120"/>
-              </a:rPr>
-              <a:t>Михаил</a:t>
-            </a:r>
-            <a:r>
-              <a:rPr lang="en-US" sz="2600" dirty="0">
-                <a:solidFill>
-                  <a:srgbClr val="272525"/>
-                </a:solidFill>
-                <a:latin typeface="Montserrat" panose="00000500000000000000" pitchFamily="2" charset="-52"/>
-                <a:ea typeface="Montserrat" pitchFamily="34" charset="-122"/>
-                <a:cs typeface="Montserrat" pitchFamily="34" charset="-120"/>
-              </a:rPr>
-              <a:t>: Backend developer</a:t>
-            </a:r>
-            <a:endParaRPr lang="en-US" sz="2600" dirty="0">
-              <a:latin typeface="Montserrat" panose="00000500000000000000" pitchFamily="2" charset="-52"/>
-            </a:endParaRPr>
-          </a:p>
-          <a:p>
-            <a:pPr>
-              <a:lnSpc>
-                <a:spcPct val="200000"/>
-              </a:lnSpc>
-            </a:pPr>
-            <a:r>
-              <a:rPr lang="en-US" sz="2600" dirty="0" err="1">
-                <a:solidFill>
-                  <a:srgbClr val="272525"/>
-                </a:solidFill>
-                <a:latin typeface="Montserrat" panose="00000500000000000000" pitchFamily="2" charset="-52"/>
-                <a:ea typeface="Montserrat" pitchFamily="34" charset="-122"/>
-                <a:cs typeface="Montserrat" pitchFamily="34" charset="-120"/>
-              </a:rPr>
-              <a:t>Чурсина</a:t>
-            </a:r>
-            <a:r>
-              <a:rPr lang="en-US" sz="2600" dirty="0">
-                <a:solidFill>
-                  <a:srgbClr val="272525"/>
-                </a:solidFill>
-                <a:latin typeface="Montserrat" panose="00000500000000000000" pitchFamily="2" charset="-52"/>
-                <a:ea typeface="Montserrat" pitchFamily="34" charset="-122"/>
-                <a:cs typeface="Montserrat" pitchFamily="34" charset="-120"/>
-              </a:rPr>
-              <a:t> </a:t>
-            </a:r>
-            <a:r>
-              <a:rPr lang="en-US" sz="2600" dirty="0" err="1">
-                <a:solidFill>
-                  <a:srgbClr val="272525"/>
-                </a:solidFill>
-                <a:latin typeface="Montserrat" panose="00000500000000000000" pitchFamily="2" charset="-52"/>
-                <a:ea typeface="Montserrat" pitchFamily="34" charset="-122"/>
-                <a:cs typeface="Montserrat" pitchFamily="34" charset="-120"/>
-              </a:rPr>
-              <a:t>Анна</a:t>
-            </a:r>
-            <a:r>
-              <a:rPr lang="en-US" sz="2600" dirty="0">
-                <a:solidFill>
-                  <a:srgbClr val="272525"/>
-                </a:solidFill>
-                <a:latin typeface="Montserrat" panose="00000500000000000000" pitchFamily="2" charset="-52"/>
-                <a:ea typeface="Montserrat" pitchFamily="34" charset="-122"/>
-                <a:cs typeface="Montserrat" pitchFamily="34" charset="-120"/>
-              </a:rPr>
-              <a:t>: Designer</a:t>
-            </a:r>
-            <a:endParaRPr lang="en-US" sz="2600" dirty="0">
-              <a:latin typeface="Montserrat" panose="00000500000000000000" pitchFamily="2" charset="-52"/>
-            </a:endParaRPr>
-          </a:p>
-          <a:p>
-            <a:pPr>
-              <a:lnSpc>
-                <a:spcPct val="200000"/>
-              </a:lnSpc>
-            </a:pPr>
-            <a:r>
-              <a:rPr lang="en-US" sz="2600" dirty="0" err="1">
-                <a:solidFill>
-                  <a:srgbClr val="272525"/>
-                </a:solidFill>
-                <a:latin typeface="Montserrat" panose="00000500000000000000" pitchFamily="2" charset="-52"/>
-                <a:ea typeface="Montserrat" pitchFamily="34" charset="-122"/>
-                <a:cs typeface="Montserrat" pitchFamily="34" charset="-120"/>
-              </a:rPr>
-              <a:t>Растрепин</a:t>
-            </a:r>
-            <a:r>
-              <a:rPr lang="en-US" sz="2600" dirty="0">
-                <a:solidFill>
-                  <a:srgbClr val="272525"/>
-                </a:solidFill>
-                <a:latin typeface="Montserrat" panose="00000500000000000000" pitchFamily="2" charset="-52"/>
-                <a:ea typeface="Montserrat" pitchFamily="34" charset="-122"/>
-                <a:cs typeface="Montserrat" pitchFamily="34" charset="-120"/>
-              </a:rPr>
-              <a:t> </a:t>
-            </a:r>
-            <a:r>
-              <a:rPr lang="en-US" sz="2600" dirty="0" err="1">
-                <a:solidFill>
-                  <a:srgbClr val="272525"/>
-                </a:solidFill>
-                <a:latin typeface="Montserrat" panose="00000500000000000000" pitchFamily="2" charset="-52"/>
-                <a:ea typeface="Montserrat" pitchFamily="34" charset="-122"/>
-                <a:cs typeface="Montserrat" pitchFamily="34" charset="-120"/>
-              </a:rPr>
-              <a:t>Вадим</a:t>
-            </a:r>
-            <a:r>
-              <a:rPr lang="en-US" sz="2600" dirty="0">
-                <a:solidFill>
-                  <a:srgbClr val="272525"/>
-                </a:solidFill>
-                <a:latin typeface="Montserrat" panose="00000500000000000000" pitchFamily="2" charset="-52"/>
-                <a:ea typeface="Montserrat" pitchFamily="34" charset="-122"/>
-                <a:cs typeface="Montserrat" pitchFamily="34" charset="-120"/>
-              </a:rPr>
-              <a:t>: QA</a:t>
-            </a:r>
-            <a:endParaRPr lang="ru-RU" sz="2600" dirty="0">
-              <a:latin typeface="Montserrat" panose="00000500000000000000" pitchFamily="2" charset="-52"/>
-            </a:endParaRPr>
+              </a:rPr>
+              <a:t>Создание карточек при помощи ИИ</a:t>
+            </a:r>
           </a:p>
         </p:txBody>
       </p:sp>
@@ -9332,7 +9101,7 @@
               <a:rPr lang="ru-RU" smtClean="0"/>
               <a:t>2</a:t>
             </a:fld>
-            <a:endParaRPr lang="ru-RU"/>
+            <a:endParaRPr lang="ru-RU" dirty="0"/>
           </a:p>
         </p:txBody>
       </p:sp>
@@ -9390,7 +9159,7 @@
           <a:lstStyle/>
           <a:p>
             <a:r>
-              <a:rPr lang="en-US" sz="4400" b="1" dirty="0" err="1">
+              <a:rPr lang="ru-RU" sz="4400" b="1" dirty="0">
                 <a:solidFill>
                   <a:srgbClr val="7068F4"/>
                 </a:solidFill>
@@ -9398,141 +9167,12 @@
                 <a:ea typeface="Barlow Bold" pitchFamily="34" charset="-122"/>
                 <a:cs typeface="Barlow Bold" pitchFamily="34" charset="-120"/>
               </a:rPr>
-              <a:t>Основные</a:t>
-            </a:r>
-            <a:r>
-              <a:rPr lang="en-US" sz="4400" b="1" dirty="0">
-                <a:solidFill>
-                  <a:srgbClr val="7068F4"/>
-                </a:solidFill>
-                <a:latin typeface="Barlow Bold" pitchFamily="34" charset="0"/>
-                <a:ea typeface="Barlow Bold" pitchFamily="34" charset="-122"/>
-                <a:cs typeface="Barlow Bold" pitchFamily="34" charset="-120"/>
-              </a:rPr>
-              <a:t> </a:t>
-            </a:r>
-            <a:r>
-              <a:rPr lang="ru-RU" b="1" dirty="0">
-                <a:solidFill>
-                  <a:srgbClr val="7068F4"/>
-                </a:solidFill>
-                <a:latin typeface="Barlow Bold" pitchFamily="34" charset="0"/>
-                <a:ea typeface="Barlow Bold" pitchFamily="34" charset="-122"/>
-                <a:cs typeface="Barlow Bold" pitchFamily="34" charset="-120"/>
-              </a:rPr>
-              <a:t>п</a:t>
-            </a:r>
-            <a:r>
-              <a:rPr lang="en-US" sz="4400" b="1" dirty="0" err="1">
-                <a:solidFill>
-                  <a:srgbClr val="7068F4"/>
-                </a:solidFill>
-                <a:latin typeface="Barlow Bold" pitchFamily="34" charset="0"/>
-                <a:ea typeface="Barlow Bold" pitchFamily="34" charset="-122"/>
-                <a:cs typeface="Barlow Bold" pitchFamily="34" charset="-120"/>
-              </a:rPr>
-              <a:t>роблемы</a:t>
-            </a:r>
-            <a:r>
-              <a:rPr lang="en-US" sz="4400" b="1" dirty="0">
-                <a:solidFill>
-                  <a:srgbClr val="7068F4"/>
-                </a:solidFill>
-                <a:latin typeface="Barlow Bold" pitchFamily="34" charset="0"/>
-                <a:ea typeface="Barlow Bold" pitchFamily="34" charset="-122"/>
-                <a:cs typeface="Barlow Bold" pitchFamily="34" charset="-120"/>
-              </a:rPr>
-              <a:t> в </a:t>
-            </a:r>
-            <a:r>
-              <a:rPr lang="ru-RU" sz="4400" b="1" dirty="0">
-                <a:solidFill>
-                  <a:srgbClr val="7068F4"/>
-                </a:solidFill>
-                <a:latin typeface="Barlow Bold" pitchFamily="34" charset="0"/>
-                <a:ea typeface="Barlow Bold" pitchFamily="34" charset="-122"/>
-                <a:cs typeface="Barlow Bold" pitchFamily="34" charset="-120"/>
-              </a:rPr>
-              <a:t>и</a:t>
-            </a:r>
-            <a:r>
-              <a:rPr lang="en-US" sz="4400" b="1" dirty="0" err="1">
-                <a:solidFill>
-                  <a:srgbClr val="7068F4"/>
-                </a:solidFill>
-                <a:latin typeface="Barlow Bold" pitchFamily="34" charset="0"/>
-                <a:ea typeface="Barlow Bold" pitchFamily="34" charset="-122"/>
-                <a:cs typeface="Barlow Bold" pitchFamily="34" charset="-120"/>
-              </a:rPr>
-              <a:t>зучении</a:t>
-            </a:r>
-            <a:r>
-              <a:rPr lang="en-US" sz="4400" b="1" dirty="0">
-                <a:solidFill>
-                  <a:srgbClr val="7068F4"/>
-                </a:solidFill>
-                <a:latin typeface="Barlow Bold" pitchFamily="34" charset="0"/>
-                <a:ea typeface="Barlow Bold" pitchFamily="34" charset="-122"/>
-                <a:cs typeface="Barlow Bold" pitchFamily="34" charset="-120"/>
-              </a:rPr>
-              <a:t> </a:t>
-            </a:r>
-            <a:r>
-              <a:rPr lang="ru-RU" b="1" dirty="0">
-                <a:solidFill>
-                  <a:srgbClr val="7068F4"/>
-                </a:solidFill>
-                <a:latin typeface="Barlow Bold" pitchFamily="34" charset="0"/>
-                <a:ea typeface="Barlow Bold" pitchFamily="34" charset="-122"/>
-                <a:cs typeface="Barlow Bold" pitchFamily="34" charset="-120"/>
-              </a:rPr>
-              <a:t>я</a:t>
-            </a:r>
-            <a:r>
-              <a:rPr lang="en-US" sz="4400" b="1" dirty="0" err="1">
-                <a:solidFill>
-                  <a:srgbClr val="7068F4"/>
-                </a:solidFill>
-                <a:latin typeface="Barlow Bold" pitchFamily="34" charset="0"/>
-                <a:ea typeface="Barlow Bold" pitchFamily="34" charset="-122"/>
-                <a:cs typeface="Barlow Bold" pitchFamily="34" charset="-120"/>
-              </a:rPr>
-              <a:t>зыков</a:t>
+              <a:t>Статус проекта</a:t>
             </a:r>
             <a:endParaRPr lang="ru-RU" dirty="0"/>
           </a:p>
         </p:txBody>
       </p:sp>
-      <p:pic>
-        <p:nvPicPr>
-          <p:cNvPr id="8" name="Image 1" descr="preencoded.png">
-            <a:extLst>
-              <a:ext uri="{FF2B5EF4-FFF2-40B4-BE49-F238E27FC236}">
-                <a16:creationId xmlns:a16="http://schemas.microsoft.com/office/drawing/2014/main" id="{061332A4-9601-2A53-12E2-7AD340CE91C2}"/>
-              </a:ext>
-            </a:extLst>
-          </p:cNvPr>
-          <p:cNvPicPr>
-            <a:picLocks noChangeAspect="1"/>
-          </p:cNvPicPr>
-          <p:nvPr/>
-        </p:nvPicPr>
-        <p:blipFill>
-          <a:blip r:embed="rId3"/>
-          <a:stretch>
-            <a:fillRect/>
-          </a:stretch>
-        </p:blipFill>
-        <p:spPr>
-          <a:xfrm>
-            <a:off x="838199" y="2122604"/>
-            <a:ext cx="342067" cy="427553"/>
-          </a:xfrm>
-          <a:prstGeom prst="rect">
-            <a:avLst/>
-          </a:prstGeom>
-        </p:spPr>
-      </p:pic>
       <p:sp>
         <p:nvSpPr>
           <p:cNvPr id="11" name="TextBox 10">
@@ -9547,7 +9187,7 @@
         </p:nvSpPr>
         <p:spPr>
           <a:xfrm>
-            <a:off x="1395482" y="2106065"/>
+            <a:off x="838200" y="1522472"/>
             <a:ext cx="3845257" cy="451406"/>
           </a:xfrm>
           <a:prstGeom prst="rect">
@@ -9568,37 +9208,8 @@
               <a:buNone/>
             </a:pPr>
             <a:r>
-              <a:rPr lang="en-US" sz="2400" b="1" dirty="0" err="1">
-                <a:solidFill>
-                  <a:srgbClr val="272525"/>
-                </a:solidFill>
-                <a:latin typeface="Barlow Bold" pitchFamily="34" charset="0"/>
-                <a:ea typeface="Barlow Bold" pitchFamily="34" charset="-122"/>
-                <a:cs typeface="Barlow Bold" pitchFamily="34" charset="-120"/>
-              </a:rPr>
-              <a:t>Недостаток</a:t>
-            </a:r>
-            <a:r>
-              <a:rPr lang="en-US" sz="2400" b="1" dirty="0">
-                <a:solidFill>
-                  <a:srgbClr val="272525"/>
-                </a:solidFill>
-                <a:latin typeface="Barlow Bold" pitchFamily="34" charset="0"/>
-                <a:ea typeface="Barlow Bold" pitchFamily="34" charset="-122"/>
-                <a:cs typeface="Barlow Bold" pitchFamily="34" charset="-120"/>
-              </a:rPr>
-              <a:t> </a:t>
-            </a:r>
-            <a:r>
-              <a:rPr lang="en-US" sz="2400" b="1" dirty="0" err="1">
-                <a:solidFill>
-                  <a:srgbClr val="272525"/>
-                </a:solidFill>
-                <a:latin typeface="Barlow Bold" pitchFamily="34" charset="0"/>
-                <a:ea typeface="Barlow Bold" pitchFamily="34" charset="-122"/>
-                <a:cs typeface="Barlow Bold" pitchFamily="34" charset="-120"/>
-              </a:rPr>
-              <a:t>времени</a:t>
+              <a:rPr lang="ru-RU" sz="2400" dirty="0"/>
+              <a:t>Серверная часть:</a:t>
             </a:r>
             <a:endParaRPr lang="en-US" sz="2400" dirty="0"/>
           </a:p>
@@ -9618,8 +9229,8 @@
         </p:nvSpPr>
         <p:spPr>
           <a:xfrm>
-            <a:off x="1395482" y="2614958"/>
-            <a:ext cx="3845257" cy="1131079"/>
+            <a:off x="838200" y="2215527"/>
+            <a:ext cx="4824663" cy="1131079"/>
           </a:xfrm>
           <a:prstGeom prst="rect">
             <a:avLst/>
@@ -9639,7 +9250,7 @@
               <a:buNone/>
             </a:pPr>
             <a:r>
-              <a:rPr lang="en-US" sz="2400" dirty="0" err="1">
+              <a:rPr lang="ru-RU" sz="2400" dirty="0">
                 <a:solidFill>
                   <a:srgbClr val="272525"/>
                 </a:solidFill>
@@ -9647,250 +9258,9 @@
                 <a:ea typeface="Montserrat" pitchFamily="34" charset="-122"/>
                 <a:cs typeface="Montserrat" pitchFamily="34" charset="-120"/>
               </a:rPr>
-              <a:t>Сложно</a:t>
-            </a:r>
-            <a:r>
-              <a:rPr lang="en-US" sz="2400" dirty="0">
-                <a:solidFill>
-                  <a:srgbClr val="272525"/>
-                </a:solidFill>
-                <a:latin typeface="Montserrat" pitchFamily="34" charset="0"/>
-                <a:ea typeface="Montserrat" pitchFamily="34" charset="-122"/>
-                <a:cs typeface="Montserrat" pitchFamily="34" charset="-120"/>
-              </a:rPr>
-              <a:t> </a:t>
-            </a:r>
-            <a:r>
-              <a:rPr lang="en-US" sz="2400" dirty="0" err="1">
-                <a:solidFill>
-                  <a:srgbClr val="272525"/>
-                </a:solidFill>
-                <a:latin typeface="Montserrat" pitchFamily="34" charset="0"/>
-                <a:ea typeface="Montserrat" pitchFamily="34" charset="-122"/>
-                <a:cs typeface="Montserrat" pitchFamily="34" charset="-120"/>
-              </a:rPr>
-              <a:t>выделить</a:t>
-            </a:r>
-            <a:r>
-              <a:rPr lang="en-US" sz="2400" dirty="0">
-                <a:solidFill>
-                  <a:srgbClr val="272525"/>
-                </a:solidFill>
-                <a:latin typeface="Montserrat" pitchFamily="34" charset="0"/>
-                <a:ea typeface="Montserrat" pitchFamily="34" charset="-122"/>
-                <a:cs typeface="Montserrat" pitchFamily="34" charset="-120"/>
-              </a:rPr>
-              <a:t> </a:t>
-            </a:r>
-            <a:r>
-              <a:rPr lang="en-US" sz="2400" dirty="0" err="1">
-                <a:solidFill>
-                  <a:srgbClr val="272525"/>
-                </a:solidFill>
-                <a:latin typeface="Montserrat" pitchFamily="34" charset="0"/>
-                <a:ea typeface="Montserrat" pitchFamily="34" charset="-122"/>
-                <a:cs typeface="Montserrat" pitchFamily="34" charset="-120"/>
-              </a:rPr>
-              <a:t>достаточно</a:t>
-            </a:r>
-            <a:r>
-              <a:rPr lang="en-US" sz="2400" dirty="0">
-                <a:solidFill>
-                  <a:srgbClr val="272525"/>
-                </a:solidFill>
-                <a:latin typeface="Montserrat" pitchFamily="34" charset="0"/>
-                <a:ea typeface="Montserrat" pitchFamily="34" charset="-122"/>
-                <a:cs typeface="Montserrat" pitchFamily="34" charset="-120"/>
-              </a:rPr>
-              <a:t> </a:t>
-            </a:r>
-            <a:r>
-              <a:rPr lang="en-US" sz="2400" dirty="0" err="1">
-                <a:solidFill>
-                  <a:srgbClr val="272525"/>
-                </a:solidFill>
-                <a:latin typeface="Montserrat" pitchFamily="34" charset="0"/>
-                <a:ea typeface="Montserrat" pitchFamily="34" charset="-122"/>
-                <a:cs typeface="Montserrat" pitchFamily="34" charset="-120"/>
-              </a:rPr>
-              <a:t>времени</a:t>
-            </a:r>
-            <a:r>
-              <a:rPr lang="en-US" sz="2400" dirty="0">
-                <a:solidFill>
-                  <a:srgbClr val="272525"/>
-                </a:solidFill>
-                <a:latin typeface="Montserrat" pitchFamily="34" charset="0"/>
-                <a:ea typeface="Montserrat" pitchFamily="34" charset="-122"/>
-                <a:cs typeface="Montserrat" pitchFamily="34" charset="-120"/>
-              </a:rPr>
-              <a:t> </a:t>
-            </a:r>
-            <a:r>
-              <a:rPr lang="en-US" sz="2400" dirty="0" err="1">
-                <a:solidFill>
-                  <a:srgbClr val="272525"/>
-                </a:solidFill>
-                <a:latin typeface="Montserrat" pitchFamily="34" charset="0"/>
-                <a:ea typeface="Montserrat" pitchFamily="34" charset="-122"/>
-                <a:cs typeface="Montserrat" pitchFamily="34" charset="-120"/>
-              </a:rPr>
-              <a:t>на</a:t>
-            </a:r>
-            <a:r>
-              <a:rPr lang="en-US" sz="2400" dirty="0">
-                <a:solidFill>
-                  <a:srgbClr val="272525"/>
-                </a:solidFill>
-                <a:latin typeface="Montserrat" pitchFamily="34" charset="0"/>
-                <a:ea typeface="Montserrat" pitchFamily="34" charset="-122"/>
-                <a:cs typeface="Montserrat" pitchFamily="34" charset="-120"/>
-              </a:rPr>
-              <a:t> </a:t>
-            </a:r>
-            <a:r>
-              <a:rPr lang="en-US" sz="2400" dirty="0" err="1">
-                <a:solidFill>
-                  <a:srgbClr val="272525"/>
-                </a:solidFill>
-                <a:latin typeface="Montserrat" pitchFamily="34" charset="0"/>
-                <a:ea typeface="Montserrat" pitchFamily="34" charset="-122"/>
-                <a:cs typeface="Montserrat" pitchFamily="34" charset="-120"/>
-              </a:rPr>
-              <a:t>занятия</a:t>
-            </a:r>
-            <a:endParaRPr lang="en-US" sz="2400" dirty="0"/>
-          </a:p>
-        </p:txBody>
-      </p:sp>
-      <p:pic>
-        <p:nvPicPr>
-          <p:cNvPr id="14" name="Image 2" descr="preencoded.png">
-            <a:extLst>
-              <a:ext uri="{FF2B5EF4-FFF2-40B4-BE49-F238E27FC236}">
-                <a16:creationId xmlns:a16="http://schemas.microsoft.com/office/drawing/2014/main" id="{85615BC3-9ED8-47F1-8068-A97DD4C1CA89}"/>
-              </a:ext>
-            </a:extLst>
-          </p:cNvPr>
-          <p:cNvPicPr>
-            <a:picLocks noChangeAspect="1"/>
-          </p:cNvPicPr>
-          <p:nvPr/>
-        </p:nvPicPr>
-        <p:blipFill>
-          <a:blip r:embed="rId4"/>
-          <a:stretch>
-            <a:fillRect/>
-          </a:stretch>
-        </p:blipFill>
-        <p:spPr>
-          <a:xfrm>
-            <a:off x="3640667" y="4646454"/>
-            <a:ext cx="342067" cy="427553"/>
-          </a:xfrm>
-          <a:prstGeom prst="rect">
-            <a:avLst/>
-          </a:prstGeom>
-        </p:spPr>
-      </p:pic>
-      <p:sp>
-        <p:nvSpPr>
-          <p:cNvPr id="16" name="TextBox 15">
-            <a:extLst>
-              <a:ext uri="{FF2B5EF4-FFF2-40B4-BE49-F238E27FC236}">
-                <a16:creationId xmlns:a16="http://schemas.microsoft.com/office/drawing/2014/main" id="{36B8BFF8-4FA2-4221-E5DC-5C3302E1B872}"/>
-              </a:ext>
-            </a:extLst>
-          </p:cNvPr>
-          <p:cNvSpPr txBox="1"/>
-          <p:nvPr/>
-        </p:nvSpPr>
-        <p:spPr>
-          <a:xfrm>
-            <a:off x="4197950" y="4622601"/>
-            <a:ext cx="3845257" cy="451406"/>
-          </a:xfrm>
-          <a:prstGeom prst="rect">
-            <a:avLst/>
-          </a:prstGeom>
-          <a:noFill/>
-        </p:spPr>
-        <p:txBody>
-          <a:bodyPr wrap="square">
-            <a:spAutoFit/>
-          </a:bodyPr>
-          <a:lstStyle/>
-          <a:p>
-            <a:pPr marL="0" indent="0" algn="l">
-              <a:lnSpc>
-                <a:spcPts val="2800"/>
-              </a:lnSpc>
-              <a:buNone/>
-            </a:pPr>
-            <a:r>
-              <a:rPr lang="en-US" sz="2400" b="1" dirty="0" err="1">
-                <a:solidFill>
-                  <a:srgbClr val="272525"/>
-                </a:solidFill>
-                <a:latin typeface="Barlow Bold" pitchFamily="34" charset="0"/>
-                <a:ea typeface="Barlow Bold" pitchFamily="34" charset="-122"/>
-                <a:cs typeface="Barlow Bold" pitchFamily="34" charset="-120"/>
-              </a:rPr>
-              <a:t>Отсутствие</a:t>
-            </a:r>
-            <a:r>
-              <a:rPr lang="en-US" sz="2400" b="1" dirty="0">
-                <a:solidFill>
-                  <a:srgbClr val="272525"/>
-                </a:solidFill>
-                <a:latin typeface="Barlow Bold" pitchFamily="34" charset="0"/>
-                <a:ea typeface="Barlow Bold" pitchFamily="34" charset="-122"/>
-                <a:cs typeface="Barlow Bold" pitchFamily="34" charset="-120"/>
-              </a:rPr>
-              <a:t> </a:t>
-            </a:r>
-            <a:r>
-              <a:rPr lang="en-US" sz="2400" b="1" dirty="0" err="1">
-                <a:solidFill>
-                  <a:srgbClr val="272525"/>
-                </a:solidFill>
-                <a:latin typeface="Barlow Bold" pitchFamily="34" charset="0"/>
-                <a:ea typeface="Barlow Bold" pitchFamily="34" charset="-122"/>
-                <a:cs typeface="Barlow Bold" pitchFamily="34" charset="-120"/>
-              </a:rPr>
-              <a:t>мотивации</a:t>
-            </a:r>
-            <a:endParaRPr lang="en-US" sz="2400" dirty="0"/>
-          </a:p>
-        </p:txBody>
-      </p:sp>
-      <p:sp>
-        <p:nvSpPr>
-          <p:cNvPr id="18" name="TextBox 17">
-            <a:extLst>
-              <a:ext uri="{FF2B5EF4-FFF2-40B4-BE49-F238E27FC236}">
-                <a16:creationId xmlns:a16="http://schemas.microsoft.com/office/drawing/2014/main" id="{27D594F7-82CF-3BBB-8957-5817F8F902A1}"/>
-              </a:ext>
-            </a:extLst>
-          </p:cNvPr>
-          <p:cNvSpPr txBox="1"/>
-          <p:nvPr/>
-        </p:nvSpPr>
-        <p:spPr>
-          <a:xfrm>
-            <a:off x="4197950" y="5131494"/>
-            <a:ext cx="4082450" cy="784830"/>
-          </a:xfrm>
-          <a:prstGeom prst="rect">
-            <a:avLst/>
-          </a:prstGeom>
-          <a:noFill/>
-        </p:spPr>
-        <p:txBody>
-          <a:bodyPr wrap="square">
-            <a:spAutoFit/>
-          </a:bodyPr>
-          <a:lstStyle/>
+              <a:t>Регистрация и авторизация</a:t>
+            </a:r>
+          </a:p>
           <a:p>
             <a:pPr marL="0" indent="0" algn="l">
               <a:lnSpc>
@@ -9899,7 +9269,7 @@
               <a:buNone/>
             </a:pPr>
             <a:r>
-              <a:rPr lang="en-US" sz="2400" dirty="0" err="1">
+              <a:rPr lang="ru-RU" sz="2400" dirty="0">
                 <a:solidFill>
                   <a:srgbClr val="272525"/>
                 </a:solidFill>
@@ -9907,206 +9277,9 @@
                 <a:ea typeface="Montserrat" pitchFamily="34" charset="-122"/>
                 <a:cs typeface="Montserrat" pitchFamily="34" charset="-120"/>
               </a:rPr>
-              <a:t>Трудно</a:t>
-            </a:r>
-            <a:r>
-              <a:rPr lang="en-US" sz="2400" dirty="0">
-                <a:solidFill>
-                  <a:srgbClr val="272525"/>
-                </a:solidFill>
-                <a:latin typeface="Montserrat" pitchFamily="34" charset="0"/>
-                <a:ea typeface="Montserrat" pitchFamily="34" charset="-122"/>
-                <a:cs typeface="Montserrat" pitchFamily="34" charset="-120"/>
-              </a:rPr>
-              <a:t> </a:t>
-            </a:r>
-            <a:r>
-              <a:rPr lang="en-US" sz="2400" dirty="0" err="1">
-                <a:solidFill>
-                  <a:srgbClr val="272525"/>
-                </a:solidFill>
-                <a:latin typeface="Montserrat" pitchFamily="34" charset="0"/>
-                <a:ea typeface="Montserrat" pitchFamily="34" charset="-122"/>
-                <a:cs typeface="Montserrat" pitchFamily="34" charset="-120"/>
-              </a:rPr>
-              <a:t>поддерживать</a:t>
-            </a:r>
-            <a:r>
-              <a:rPr lang="en-US" sz="2400" dirty="0">
-                <a:solidFill>
-                  <a:srgbClr val="272525"/>
-                </a:solidFill>
-                <a:latin typeface="Montserrat" pitchFamily="34" charset="0"/>
-                <a:ea typeface="Montserrat" pitchFamily="34" charset="-122"/>
-                <a:cs typeface="Montserrat" pitchFamily="34" charset="-120"/>
-              </a:rPr>
-              <a:t> </a:t>
-            </a:r>
-            <a:r>
-              <a:rPr lang="en-US" sz="2400" dirty="0" err="1">
-                <a:solidFill>
-                  <a:srgbClr val="272525"/>
-                </a:solidFill>
-                <a:latin typeface="Montserrat" pitchFamily="34" charset="0"/>
-                <a:ea typeface="Montserrat" pitchFamily="34" charset="-122"/>
-                <a:cs typeface="Montserrat" pitchFamily="34" charset="-120"/>
-              </a:rPr>
-              <a:t>интерес</a:t>
-            </a:r>
-            <a:r>
-              <a:rPr lang="en-US" sz="2400" dirty="0">
-                <a:solidFill>
-                  <a:srgbClr val="272525"/>
-                </a:solidFill>
-                <a:latin typeface="Montserrat" pitchFamily="34" charset="0"/>
-                <a:ea typeface="Montserrat" pitchFamily="34" charset="-122"/>
-                <a:cs typeface="Montserrat" pitchFamily="34" charset="-120"/>
-              </a:rPr>
-              <a:t> к </a:t>
-            </a:r>
-            <a:r>
-              <a:rPr lang="en-US" sz="2400" dirty="0" err="1">
-                <a:solidFill>
-                  <a:srgbClr val="272525"/>
-                </a:solidFill>
-                <a:latin typeface="Montserrat" pitchFamily="34" charset="0"/>
-                <a:ea typeface="Montserrat" pitchFamily="34" charset="-122"/>
-                <a:cs typeface="Montserrat" pitchFamily="34" charset="-120"/>
-              </a:rPr>
-              <a:t>учёбе</a:t>
-            </a:r>
-            <a:endParaRPr lang="en-US" sz="2400" dirty="0"/>
-          </a:p>
-        </p:txBody>
-      </p:sp>
-      <p:pic>
-        <p:nvPicPr>
-          <p:cNvPr id="19" name="Image 3" descr="preencoded.png">
-            <a:extLst>
-              <a:ext uri="{FF2B5EF4-FFF2-40B4-BE49-F238E27FC236}">
-                <a16:creationId xmlns:a16="http://schemas.microsoft.com/office/drawing/2014/main" id="{0DA27C72-2A1E-772B-AA22-CA99F5164763}"/>
-              </a:ext>
-            </a:extLst>
-          </p:cNvPr>
-          <p:cNvPicPr>
-            <a:picLocks noChangeAspect="1"/>
-          </p:cNvPicPr>
-          <p:nvPr/>
-        </p:nvPicPr>
-        <p:blipFill>
-          <a:blip r:embed="rId5"/>
-          <a:stretch>
-            <a:fillRect/>
-          </a:stretch>
-        </p:blipFill>
-        <p:spPr>
-          <a:xfrm>
-            <a:off x="6951262" y="2106065"/>
-            <a:ext cx="342067" cy="427553"/>
-          </a:xfrm>
-          <a:prstGeom prst="rect">
-            <a:avLst/>
-          </a:prstGeom>
-        </p:spPr>
-      </p:pic>
-      <p:sp>
-        <p:nvSpPr>
-          <p:cNvPr id="21" name="TextBox 20">
-            <a:extLst>
-              <a:ext uri="{FF2B5EF4-FFF2-40B4-BE49-F238E27FC236}">
-                <a16:creationId xmlns:a16="http://schemas.microsoft.com/office/drawing/2014/main" id="{EA4B1353-C6CA-38E6-0C5E-76D7D992FBE4}"/>
-              </a:ext>
-            </a:extLst>
-          </p:cNvPr>
-          <p:cNvSpPr txBox="1"/>
-          <p:nvPr/>
-        </p:nvSpPr>
-        <p:spPr>
-          <a:xfrm>
-            <a:off x="7509681" y="2139699"/>
-            <a:ext cx="3844119" cy="451406"/>
-          </a:xfrm>
-          <a:prstGeom prst="rect">
-            <a:avLst/>
-          </a:prstGeom>
-          <a:noFill/>
-        </p:spPr>
-        <p:txBody>
-          <a:bodyPr wrap="square">
-            <a:spAutoFit/>
-          </a:bodyPr>
-          <a:lstStyle/>
-          <a:p>
-            <a:pPr marL="0" indent="0" algn="l">
-              <a:lnSpc>
-                <a:spcPts val="2800"/>
-              </a:lnSpc>
-              <a:buNone/>
-            </a:pPr>
-            <a:r>
-              <a:rPr lang="en-US" sz="2400" b="1" dirty="0" err="1">
-                <a:solidFill>
-                  <a:srgbClr val="272525"/>
-                </a:solidFill>
-                <a:latin typeface="Barlow Bold" pitchFamily="34" charset="0"/>
-                <a:ea typeface="Barlow Bold" pitchFamily="34" charset="-122"/>
-                <a:cs typeface="Barlow Bold" pitchFamily="34" charset="-120"/>
-              </a:rPr>
-              <a:t>Высокая</a:t>
-            </a:r>
-            <a:r>
-              <a:rPr lang="en-US" sz="2400" b="1" dirty="0">
-                <a:solidFill>
-                  <a:srgbClr val="272525"/>
-                </a:solidFill>
-                <a:latin typeface="Barlow Bold" pitchFamily="34" charset="0"/>
-                <a:ea typeface="Barlow Bold" pitchFamily="34" charset="-122"/>
-                <a:cs typeface="Barlow Bold" pitchFamily="34" charset="-120"/>
-              </a:rPr>
-              <a:t> </a:t>
-            </a:r>
-            <a:r>
-              <a:rPr lang="en-US" sz="2400" b="1" dirty="0" err="1">
-                <a:solidFill>
-                  <a:srgbClr val="272525"/>
-                </a:solidFill>
-                <a:latin typeface="Barlow Bold" pitchFamily="34" charset="0"/>
-                <a:ea typeface="Barlow Bold" pitchFamily="34" charset="-122"/>
-                <a:cs typeface="Barlow Bold" pitchFamily="34" charset="-120"/>
-              </a:rPr>
-              <a:t>стоимость</a:t>
-            </a:r>
-            <a:endParaRPr lang="en-US" sz="2400" dirty="0"/>
-          </a:p>
-        </p:txBody>
-      </p:sp>
-      <p:sp>
-        <p:nvSpPr>
-          <p:cNvPr id="23" name="TextBox 22">
-            <a:extLst>
-              <a:ext uri="{FF2B5EF4-FFF2-40B4-BE49-F238E27FC236}">
-                <a16:creationId xmlns:a16="http://schemas.microsoft.com/office/drawing/2014/main" id="{8FDAB52C-382E-0FC7-7202-75B49D84A332}"/>
-              </a:ext>
-            </a:extLst>
-          </p:cNvPr>
-          <p:cNvSpPr txBox="1"/>
-          <p:nvPr/>
-        </p:nvSpPr>
-        <p:spPr>
-          <a:xfrm>
-            <a:off x="7509680" y="2591105"/>
-            <a:ext cx="3590119" cy="1131079"/>
-          </a:xfrm>
-          <a:prstGeom prst="rect">
-            <a:avLst/>
-          </a:prstGeom>
-          <a:noFill/>
-        </p:spPr>
-        <p:txBody>
-          <a:bodyPr wrap="square">
-            <a:spAutoFit/>
-          </a:bodyPr>
-          <a:lstStyle/>
+              <a:t>Модуль карточки</a:t>
+            </a:r>
+          </a:p>
           <a:p>
             <a:pPr marL="0" indent="0" algn="l">
               <a:lnSpc>
@@ -10115,7 +9288,7 @@
               <a:buNone/>
             </a:pPr>
             <a:r>
-              <a:rPr lang="en-US" sz="2400" dirty="0" err="1">
+              <a:rPr lang="ru-RU" sz="2400" dirty="0">
                 <a:solidFill>
                   <a:srgbClr val="272525"/>
                 </a:solidFill>
@@ -10123,96 +9296,69 @@
                 <a:ea typeface="Montserrat" pitchFamily="34" charset="-122"/>
                 <a:cs typeface="Montserrat" pitchFamily="34" charset="-120"/>
               </a:rPr>
-              <a:t>Обучение</a:t>
-            </a:r>
-            <a:r>
-              <a:rPr lang="en-US" sz="2400" dirty="0">
-                <a:solidFill>
-                  <a:srgbClr val="272525"/>
-                </a:solidFill>
-                <a:latin typeface="Montserrat" pitchFamily="34" charset="0"/>
-                <a:ea typeface="Montserrat" pitchFamily="34" charset="-122"/>
-                <a:cs typeface="Montserrat" pitchFamily="34" charset="-120"/>
-              </a:rPr>
-              <a:t> </a:t>
-            </a:r>
-            <a:r>
-              <a:rPr lang="en-US" sz="2400" dirty="0" err="1">
-                <a:solidFill>
-                  <a:srgbClr val="272525"/>
-                </a:solidFill>
-                <a:latin typeface="Montserrat" pitchFamily="34" charset="0"/>
-                <a:ea typeface="Montserrat" pitchFamily="34" charset="-122"/>
-                <a:cs typeface="Montserrat" pitchFamily="34" charset="-120"/>
-              </a:rPr>
-              <a:t>часто</a:t>
-            </a:r>
-            <a:r>
-              <a:rPr lang="en-US" sz="2400" dirty="0">
-                <a:solidFill>
-                  <a:srgbClr val="272525"/>
-                </a:solidFill>
-                <a:latin typeface="Montserrat" pitchFamily="34" charset="0"/>
-                <a:ea typeface="Montserrat" pitchFamily="34" charset="-122"/>
-                <a:cs typeface="Montserrat" pitchFamily="34" charset="-120"/>
-              </a:rPr>
-              <a:t> </a:t>
-            </a:r>
-            <a:r>
-              <a:rPr lang="en-US" sz="2400" dirty="0" err="1">
-                <a:solidFill>
-                  <a:srgbClr val="272525"/>
-                </a:solidFill>
-                <a:latin typeface="Montserrat" pitchFamily="34" charset="0"/>
-                <a:ea typeface="Montserrat" pitchFamily="34" charset="-122"/>
-                <a:cs typeface="Montserrat" pitchFamily="34" charset="-120"/>
-              </a:rPr>
-              <a:t>требует</a:t>
-            </a:r>
-            <a:r>
-              <a:rPr lang="en-US" sz="2400" dirty="0">
-                <a:solidFill>
-                  <a:srgbClr val="272525"/>
-                </a:solidFill>
-                <a:latin typeface="Montserrat" pitchFamily="34" charset="0"/>
-                <a:ea typeface="Montserrat" pitchFamily="34" charset="-122"/>
-                <a:cs typeface="Montserrat" pitchFamily="34" charset="-120"/>
-              </a:rPr>
-              <a:t> </a:t>
-            </a:r>
-            <a:r>
-              <a:rPr lang="en-US" sz="2400" dirty="0" err="1">
-                <a:solidFill>
-                  <a:srgbClr val="272525"/>
-                </a:solidFill>
-                <a:latin typeface="Montserrat" pitchFamily="34" charset="0"/>
-                <a:ea typeface="Montserrat" pitchFamily="34" charset="-122"/>
-                <a:cs typeface="Montserrat" pitchFamily="34" charset="-120"/>
-              </a:rPr>
-              <a:t>значительных</a:t>
-            </a:r>
-            <a:r>
-              <a:rPr lang="en-US" sz="2400" dirty="0">
-                <a:solidFill>
-                  <a:srgbClr val="272525"/>
-                </a:solidFill>
-                <a:latin typeface="Montserrat" pitchFamily="34" charset="0"/>
-                <a:ea typeface="Montserrat" pitchFamily="34" charset="-122"/>
-                <a:cs typeface="Montserrat" pitchFamily="34" charset="-120"/>
-              </a:rPr>
-              <a:t> </a:t>
-            </a:r>
-            <a:r>
-              <a:rPr lang="en-US" sz="2400" dirty="0" err="1">
-                <a:solidFill>
-                  <a:srgbClr val="272525"/>
-                </a:solidFill>
-                <a:latin typeface="Montserrat" pitchFamily="34" charset="0"/>
-                <a:ea typeface="Montserrat" pitchFamily="34" charset="-122"/>
-                <a:cs typeface="Montserrat" pitchFamily="34" charset="-120"/>
-              </a:rPr>
-              <a:t>затрат</a:t>
-            </a:r>
+              <a:t>Модуль друзья </a:t>
+            </a:r>
+          </a:p>
+        </p:txBody>
+      </p:sp>
+      <p:sp>
+        <p:nvSpPr>
+          <p:cNvPr id="23" name="TextBox 22">
+            <a:extLst>
+              <a:ext uri="{FF2B5EF4-FFF2-40B4-BE49-F238E27FC236}">
+                <a16:creationId xmlns:a16="http://schemas.microsoft.com/office/drawing/2014/main" id="{8FDAB52C-382E-0FC7-7202-75B49D84A332}"/>
+              </a:ext>
+            </a:extLst>
+          </p:cNvPr>
+          <p:cNvSpPr txBox="1"/>
+          <p:nvPr/>
+        </p:nvSpPr>
+        <p:spPr>
+          <a:xfrm>
+            <a:off x="7254542" y="2137219"/>
+            <a:ext cx="3590119" cy="1477328"/>
+          </a:xfrm>
+          <a:prstGeom prst="rect">
+            <a:avLst/>
+          </a:prstGeom>
+          <a:noFill/>
+        </p:spPr>
+        <p:txBody>
+          <a:bodyPr wrap="square">
+            <a:spAutoFit/>
+          </a:bodyPr>
+          <a:lstStyle/>
+          <a:p>
+            <a:pPr marL="0" indent="0" algn="l">
+              <a:lnSpc>
+                <a:spcPts val="2700"/>
+              </a:lnSpc>
+              <a:buNone/>
+            </a:pPr>
+            <a:r>
+              <a:rPr lang="ru-RU" sz="2400" dirty="0"/>
+              <a:t>Экраны авторизации и  регистрации</a:t>
+            </a:r>
+          </a:p>
+          <a:p>
+            <a:pPr marL="0" indent="0" algn="l">
+              <a:lnSpc>
+                <a:spcPts val="2700"/>
+              </a:lnSpc>
+              <a:buNone/>
+            </a:pPr>
+            <a:r>
+              <a:rPr lang="ru-RU" sz="2400" dirty="0"/>
+              <a:t>Экран карточки </a:t>
+            </a:r>
+          </a:p>
+          <a:p>
+            <a:pPr marL="0" indent="0" algn="l">
+              <a:lnSpc>
+                <a:spcPts val="2700"/>
+              </a:lnSpc>
+              <a:buNone/>
+            </a:pPr>
             <a:endParaRPr lang="en-US" sz="2400" dirty="0"/>
           </a:p>
         </p:txBody>
@@ -10243,6 +9389,48 @@
               <a:t>3</a:t>
             </a:fld>
             <a:endParaRPr lang="ru-RU"/>
+          </a:p>
+        </p:txBody>
+      </p:sp>
+      <p:sp>
+        <p:nvSpPr>
+          <p:cNvPr id="4" name="TextBox 3">
+            <a:extLst>
+              <a:ext uri="{FF2B5EF4-FFF2-40B4-BE49-F238E27FC236}">
+                <a16:creationId xmlns:a16="http://schemas.microsoft.com/office/drawing/2014/main" id="{CD6A16E4-16D4-A2AB-1890-327CBE987568}"/>
+              </a:ext>
+            </a:extLst>
+          </p:cNvPr>
+          <p:cNvSpPr txBox="1"/>
+          <p:nvPr/>
+        </p:nvSpPr>
+        <p:spPr>
+          <a:xfrm>
+            <a:off x="7254542" y="1462590"/>
+            <a:ext cx="3845257" cy="451406"/>
+          </a:xfrm>
+          <a:prstGeom prst="rect">
+            <a:avLst/>
+          </a:prstGeom>
+          <a:noFill/>
+        </p:spPr>
+        <p:txBody>
+          <a:bodyPr wrap="square">
+            <a:spAutoFit/>
+          </a:bodyPr>
+          <a:lstStyle/>
+          <a:p>
+            <a:pPr marL="0" indent="0" algn="l">
+              <a:lnSpc>
+                <a:spcPts val="2800"/>
+              </a:lnSpc>
+              <a:buNone/>
+            </a:pPr>
+            <a:r>
+              <a:rPr lang="ru-RU" sz="2400" dirty="0"/>
+              <a:t>Клиентская часть:</a:t>
+            </a:r>
+            <a:endParaRPr lang="en-US" sz="2400" dirty="0"/>
           </a:p>
         </p:txBody>
       </p:sp>
